--- a/Qualitative effects (Parameter sweep).pptx
+++ b/Qualitative effects (Parameter sweep).pptx
@@ -7,13 +7,14 @@
   <p:sldIdLst>
     <p:sldId id="256" r:id="rId2"/>
     <p:sldId id="257" r:id="rId3"/>
-    <p:sldId id="258" r:id="rId4"/>
-    <p:sldId id="259" r:id="rId5"/>
-    <p:sldId id="261" r:id="rId6"/>
-    <p:sldId id="260" r:id="rId7"/>
-    <p:sldId id="262" r:id="rId8"/>
-    <p:sldId id="263" r:id="rId9"/>
-    <p:sldId id="264" r:id="rId10"/>
+    <p:sldId id="265" r:id="rId4"/>
+    <p:sldId id="258" r:id="rId5"/>
+    <p:sldId id="259" r:id="rId6"/>
+    <p:sldId id="261" r:id="rId7"/>
+    <p:sldId id="260" r:id="rId8"/>
+    <p:sldId id="262" r:id="rId9"/>
+    <p:sldId id="263" r:id="rId10"/>
+    <p:sldId id="264" r:id="rId11"/>
   </p:sldIdLst>
   <p:sldSz cx="12192000" cy="6858000"/>
   <p:notesSz cx="6858000" cy="9144000"/>
@@ -142,7 +143,7 @@
           <p:cNvPr id="2" name="Title 1">
             <a:extLst>
               <a:ext uri="{FF2B5EF4-FFF2-40B4-BE49-F238E27FC236}">
-                <a16:creationId xmlns="" xmlns:a16="http://schemas.microsoft.com/office/drawing/2014/main" id="{B05912D0-1206-4940-BF2D-1469575047BA}"/>
+                <a16:creationId xmlns:a16="http://schemas.microsoft.com/office/drawing/2014/main" xmlns="" id="{B05912D0-1206-4940-BF2D-1469575047BA}"/>
               </a:ext>
             </a:extLst>
           </p:cNvPr>
@@ -179,7 +180,7 @@
           <p:cNvPr id="3" name="Subtitle 2">
             <a:extLst>
               <a:ext uri="{FF2B5EF4-FFF2-40B4-BE49-F238E27FC236}">
-                <a16:creationId xmlns="" xmlns:a16="http://schemas.microsoft.com/office/drawing/2014/main" id="{216F8B8E-CE8A-C345-9E35-34F8B2950ED0}"/>
+                <a16:creationId xmlns:a16="http://schemas.microsoft.com/office/drawing/2014/main" xmlns="" id="{216F8B8E-CE8A-C345-9E35-34F8B2950ED0}"/>
               </a:ext>
             </a:extLst>
           </p:cNvPr>
@@ -249,7 +250,7 @@
           <p:cNvPr id="4" name="Date Placeholder 3">
             <a:extLst>
               <a:ext uri="{FF2B5EF4-FFF2-40B4-BE49-F238E27FC236}">
-                <a16:creationId xmlns="" xmlns:a16="http://schemas.microsoft.com/office/drawing/2014/main" id="{052CB1BC-A066-1B4D-99E3-448EDB9D669D}"/>
+                <a16:creationId xmlns:a16="http://schemas.microsoft.com/office/drawing/2014/main" xmlns="" id="{052CB1BC-A066-1B4D-99E3-448EDB9D669D}"/>
               </a:ext>
             </a:extLst>
           </p:cNvPr>
@@ -267,7 +268,7 @@
           <a:p>
             <a:fld id="{B1358315-875D-C14B-AA42-F119B319A6F4}" type="datetimeFigureOut">
               <a:rPr lang="en-US" smtClean="0"/>
-              <a:t>2/25/2020</a:t>
+              <a:t>2/26/2020</a:t>
             </a:fld>
             <a:endParaRPr lang="en-US"/>
           </a:p>
@@ -278,7 +279,7 @@
           <p:cNvPr id="5" name="Footer Placeholder 4">
             <a:extLst>
               <a:ext uri="{FF2B5EF4-FFF2-40B4-BE49-F238E27FC236}">
-                <a16:creationId xmlns="" xmlns:a16="http://schemas.microsoft.com/office/drawing/2014/main" id="{7478779C-ECAC-684E-BD72-A7AD6696FCC8}"/>
+                <a16:creationId xmlns:a16="http://schemas.microsoft.com/office/drawing/2014/main" xmlns="" id="{7478779C-ECAC-684E-BD72-A7AD6696FCC8}"/>
               </a:ext>
             </a:extLst>
           </p:cNvPr>
@@ -303,7 +304,7 @@
           <p:cNvPr id="6" name="Slide Number Placeholder 5">
             <a:extLst>
               <a:ext uri="{FF2B5EF4-FFF2-40B4-BE49-F238E27FC236}">
-                <a16:creationId xmlns="" xmlns:a16="http://schemas.microsoft.com/office/drawing/2014/main" id="{15793FC4-245C-8448-85E1-BC450197BBCD}"/>
+                <a16:creationId xmlns:a16="http://schemas.microsoft.com/office/drawing/2014/main" xmlns="" id="{15793FC4-245C-8448-85E1-BC450197BBCD}"/>
               </a:ext>
             </a:extLst>
           </p:cNvPr>
@@ -362,7 +363,7 @@
           <p:cNvPr id="2" name="Title 1">
             <a:extLst>
               <a:ext uri="{FF2B5EF4-FFF2-40B4-BE49-F238E27FC236}">
-                <a16:creationId xmlns="" xmlns:a16="http://schemas.microsoft.com/office/drawing/2014/main" id="{26AAFE84-2D30-3149-B59E-44BF6824A6C6}"/>
+                <a16:creationId xmlns:a16="http://schemas.microsoft.com/office/drawing/2014/main" xmlns="" id="{26AAFE84-2D30-3149-B59E-44BF6824A6C6}"/>
               </a:ext>
             </a:extLst>
           </p:cNvPr>
@@ -390,7 +391,7 @@
           <p:cNvPr id="3" name="Vertical Text Placeholder 2">
             <a:extLst>
               <a:ext uri="{FF2B5EF4-FFF2-40B4-BE49-F238E27FC236}">
-                <a16:creationId xmlns="" xmlns:a16="http://schemas.microsoft.com/office/drawing/2014/main" id="{296E7605-CC1B-9A40-8403-71AA41403078}"/>
+                <a16:creationId xmlns:a16="http://schemas.microsoft.com/office/drawing/2014/main" xmlns="" id="{296E7605-CC1B-9A40-8403-71AA41403078}"/>
               </a:ext>
             </a:extLst>
           </p:cNvPr>
@@ -447,7 +448,7 @@
           <p:cNvPr id="4" name="Date Placeholder 3">
             <a:extLst>
               <a:ext uri="{FF2B5EF4-FFF2-40B4-BE49-F238E27FC236}">
-                <a16:creationId xmlns="" xmlns:a16="http://schemas.microsoft.com/office/drawing/2014/main" id="{920229F3-8E32-8841-BEBB-0F290E2CEE97}"/>
+                <a16:creationId xmlns:a16="http://schemas.microsoft.com/office/drawing/2014/main" xmlns="" id="{920229F3-8E32-8841-BEBB-0F290E2CEE97}"/>
               </a:ext>
             </a:extLst>
           </p:cNvPr>
@@ -465,7 +466,7 @@
           <a:p>
             <a:fld id="{B1358315-875D-C14B-AA42-F119B319A6F4}" type="datetimeFigureOut">
               <a:rPr lang="en-US" smtClean="0"/>
-              <a:t>2/25/2020</a:t>
+              <a:t>2/26/2020</a:t>
             </a:fld>
             <a:endParaRPr lang="en-US"/>
           </a:p>
@@ -476,7 +477,7 @@
           <p:cNvPr id="5" name="Footer Placeholder 4">
             <a:extLst>
               <a:ext uri="{FF2B5EF4-FFF2-40B4-BE49-F238E27FC236}">
-                <a16:creationId xmlns="" xmlns:a16="http://schemas.microsoft.com/office/drawing/2014/main" id="{B3184893-19BF-6F40-85B8-40F467DB5181}"/>
+                <a16:creationId xmlns:a16="http://schemas.microsoft.com/office/drawing/2014/main" xmlns="" id="{B3184893-19BF-6F40-85B8-40F467DB5181}"/>
               </a:ext>
             </a:extLst>
           </p:cNvPr>
@@ -501,7 +502,7 @@
           <p:cNvPr id="6" name="Slide Number Placeholder 5">
             <a:extLst>
               <a:ext uri="{FF2B5EF4-FFF2-40B4-BE49-F238E27FC236}">
-                <a16:creationId xmlns="" xmlns:a16="http://schemas.microsoft.com/office/drawing/2014/main" id="{32D120C1-91DA-EC4B-90F3-6C13FE71AC78}"/>
+                <a16:creationId xmlns:a16="http://schemas.microsoft.com/office/drawing/2014/main" xmlns="" id="{32D120C1-91DA-EC4B-90F3-6C13FE71AC78}"/>
               </a:ext>
             </a:extLst>
           </p:cNvPr>
@@ -560,7 +561,7 @@
           <p:cNvPr id="2" name="Vertical Title 1">
             <a:extLst>
               <a:ext uri="{FF2B5EF4-FFF2-40B4-BE49-F238E27FC236}">
-                <a16:creationId xmlns="" xmlns:a16="http://schemas.microsoft.com/office/drawing/2014/main" id="{64BF3082-59FA-8E4B-853E-C99DB118E26D}"/>
+                <a16:creationId xmlns:a16="http://schemas.microsoft.com/office/drawing/2014/main" xmlns="" id="{64BF3082-59FA-8E4B-853E-C99DB118E26D}"/>
               </a:ext>
             </a:extLst>
           </p:cNvPr>
@@ -593,7 +594,7 @@
           <p:cNvPr id="3" name="Vertical Text Placeholder 2">
             <a:extLst>
               <a:ext uri="{FF2B5EF4-FFF2-40B4-BE49-F238E27FC236}">
-                <a16:creationId xmlns="" xmlns:a16="http://schemas.microsoft.com/office/drawing/2014/main" id="{0F793994-E586-CE43-A374-D8711BED74AA}"/>
+                <a16:creationId xmlns:a16="http://schemas.microsoft.com/office/drawing/2014/main" xmlns="" id="{0F793994-E586-CE43-A374-D8711BED74AA}"/>
               </a:ext>
             </a:extLst>
           </p:cNvPr>
@@ -655,7 +656,7 @@
           <p:cNvPr id="4" name="Date Placeholder 3">
             <a:extLst>
               <a:ext uri="{FF2B5EF4-FFF2-40B4-BE49-F238E27FC236}">
-                <a16:creationId xmlns="" xmlns:a16="http://schemas.microsoft.com/office/drawing/2014/main" id="{FD7FB6A7-5B1A-6142-8C4F-A301449FD7F3}"/>
+                <a16:creationId xmlns:a16="http://schemas.microsoft.com/office/drawing/2014/main" xmlns="" id="{FD7FB6A7-5B1A-6142-8C4F-A301449FD7F3}"/>
               </a:ext>
             </a:extLst>
           </p:cNvPr>
@@ -673,7 +674,7 @@
           <a:p>
             <a:fld id="{B1358315-875D-C14B-AA42-F119B319A6F4}" type="datetimeFigureOut">
               <a:rPr lang="en-US" smtClean="0"/>
-              <a:t>2/25/2020</a:t>
+              <a:t>2/26/2020</a:t>
             </a:fld>
             <a:endParaRPr lang="en-US"/>
           </a:p>
@@ -684,7 +685,7 @@
           <p:cNvPr id="5" name="Footer Placeholder 4">
             <a:extLst>
               <a:ext uri="{FF2B5EF4-FFF2-40B4-BE49-F238E27FC236}">
-                <a16:creationId xmlns="" xmlns:a16="http://schemas.microsoft.com/office/drawing/2014/main" id="{AFA04DFC-A954-BE46-88BF-1FE5893283E6}"/>
+                <a16:creationId xmlns:a16="http://schemas.microsoft.com/office/drawing/2014/main" xmlns="" id="{AFA04DFC-A954-BE46-88BF-1FE5893283E6}"/>
               </a:ext>
             </a:extLst>
           </p:cNvPr>
@@ -709,7 +710,7 @@
           <p:cNvPr id="6" name="Slide Number Placeholder 5">
             <a:extLst>
               <a:ext uri="{FF2B5EF4-FFF2-40B4-BE49-F238E27FC236}">
-                <a16:creationId xmlns="" xmlns:a16="http://schemas.microsoft.com/office/drawing/2014/main" id="{6CE97A62-AA1C-BD45-B66F-70E46B30F21E}"/>
+                <a16:creationId xmlns:a16="http://schemas.microsoft.com/office/drawing/2014/main" xmlns="" id="{6CE97A62-AA1C-BD45-B66F-70E46B30F21E}"/>
               </a:ext>
             </a:extLst>
           </p:cNvPr>
@@ -768,7 +769,7 @@
           <p:cNvPr id="2" name="Title 1">
             <a:extLst>
               <a:ext uri="{FF2B5EF4-FFF2-40B4-BE49-F238E27FC236}">
-                <a16:creationId xmlns="" xmlns:a16="http://schemas.microsoft.com/office/drawing/2014/main" id="{4180531F-CA59-2243-83C1-2ACD47EA28FB}"/>
+                <a16:creationId xmlns:a16="http://schemas.microsoft.com/office/drawing/2014/main" xmlns="" id="{4180531F-CA59-2243-83C1-2ACD47EA28FB}"/>
               </a:ext>
             </a:extLst>
           </p:cNvPr>
@@ -796,7 +797,7 @@
           <p:cNvPr id="3" name="Content Placeholder 2">
             <a:extLst>
               <a:ext uri="{FF2B5EF4-FFF2-40B4-BE49-F238E27FC236}">
-                <a16:creationId xmlns="" xmlns:a16="http://schemas.microsoft.com/office/drawing/2014/main" id="{67C84797-1F1E-2041-9AB3-3063DE7F1AFD}"/>
+                <a16:creationId xmlns:a16="http://schemas.microsoft.com/office/drawing/2014/main" xmlns="" id="{67C84797-1F1E-2041-9AB3-3063DE7F1AFD}"/>
               </a:ext>
             </a:extLst>
           </p:cNvPr>
@@ -853,7 +854,7 @@
           <p:cNvPr id="4" name="Date Placeholder 3">
             <a:extLst>
               <a:ext uri="{FF2B5EF4-FFF2-40B4-BE49-F238E27FC236}">
-                <a16:creationId xmlns="" xmlns:a16="http://schemas.microsoft.com/office/drawing/2014/main" id="{13A3BAF6-ED2E-F741-827E-A6F835697B6A}"/>
+                <a16:creationId xmlns:a16="http://schemas.microsoft.com/office/drawing/2014/main" xmlns="" id="{13A3BAF6-ED2E-F741-827E-A6F835697B6A}"/>
               </a:ext>
             </a:extLst>
           </p:cNvPr>
@@ -871,7 +872,7 @@
           <a:p>
             <a:fld id="{B1358315-875D-C14B-AA42-F119B319A6F4}" type="datetimeFigureOut">
               <a:rPr lang="en-US" smtClean="0"/>
-              <a:t>2/25/2020</a:t>
+              <a:t>2/26/2020</a:t>
             </a:fld>
             <a:endParaRPr lang="en-US"/>
           </a:p>
@@ -882,7 +883,7 @@
           <p:cNvPr id="5" name="Footer Placeholder 4">
             <a:extLst>
               <a:ext uri="{FF2B5EF4-FFF2-40B4-BE49-F238E27FC236}">
-                <a16:creationId xmlns="" xmlns:a16="http://schemas.microsoft.com/office/drawing/2014/main" id="{D0F7A1FC-9CAC-B546-8AF8-F886042CCC48}"/>
+                <a16:creationId xmlns:a16="http://schemas.microsoft.com/office/drawing/2014/main" xmlns="" id="{D0F7A1FC-9CAC-B546-8AF8-F886042CCC48}"/>
               </a:ext>
             </a:extLst>
           </p:cNvPr>
@@ -907,7 +908,7 @@
           <p:cNvPr id="6" name="Slide Number Placeholder 5">
             <a:extLst>
               <a:ext uri="{FF2B5EF4-FFF2-40B4-BE49-F238E27FC236}">
-                <a16:creationId xmlns="" xmlns:a16="http://schemas.microsoft.com/office/drawing/2014/main" id="{DCD8F4DA-FD16-2742-B1A4-B6E5FD0A9C7A}"/>
+                <a16:creationId xmlns:a16="http://schemas.microsoft.com/office/drawing/2014/main" xmlns="" id="{DCD8F4DA-FD16-2742-B1A4-B6E5FD0A9C7A}"/>
               </a:ext>
             </a:extLst>
           </p:cNvPr>
@@ -966,7 +967,7 @@
           <p:cNvPr id="2" name="Title 1">
             <a:extLst>
               <a:ext uri="{FF2B5EF4-FFF2-40B4-BE49-F238E27FC236}">
-                <a16:creationId xmlns="" xmlns:a16="http://schemas.microsoft.com/office/drawing/2014/main" id="{4E00D51C-2994-4B4F-984A-976EE6E3C510}"/>
+                <a16:creationId xmlns:a16="http://schemas.microsoft.com/office/drawing/2014/main" xmlns="" id="{4E00D51C-2994-4B4F-984A-976EE6E3C510}"/>
               </a:ext>
             </a:extLst>
           </p:cNvPr>
@@ -1003,7 +1004,7 @@
           <p:cNvPr id="3" name="Text Placeholder 2">
             <a:extLst>
               <a:ext uri="{FF2B5EF4-FFF2-40B4-BE49-F238E27FC236}">
-                <a16:creationId xmlns="" xmlns:a16="http://schemas.microsoft.com/office/drawing/2014/main" id="{145F7415-E3F3-C04B-93F9-57C4C434FDFC}"/>
+                <a16:creationId xmlns:a16="http://schemas.microsoft.com/office/drawing/2014/main" xmlns="" id="{145F7415-E3F3-C04B-93F9-57C4C434FDFC}"/>
               </a:ext>
             </a:extLst>
           </p:cNvPr>
@@ -1128,7 +1129,7 @@
           <p:cNvPr id="4" name="Date Placeholder 3">
             <a:extLst>
               <a:ext uri="{FF2B5EF4-FFF2-40B4-BE49-F238E27FC236}">
-                <a16:creationId xmlns="" xmlns:a16="http://schemas.microsoft.com/office/drawing/2014/main" id="{592773E6-10B6-BF47-9265-1D68776551CF}"/>
+                <a16:creationId xmlns:a16="http://schemas.microsoft.com/office/drawing/2014/main" xmlns="" id="{592773E6-10B6-BF47-9265-1D68776551CF}"/>
               </a:ext>
             </a:extLst>
           </p:cNvPr>
@@ -1146,7 +1147,7 @@
           <a:p>
             <a:fld id="{B1358315-875D-C14B-AA42-F119B319A6F4}" type="datetimeFigureOut">
               <a:rPr lang="en-US" smtClean="0"/>
-              <a:t>2/25/2020</a:t>
+              <a:t>2/26/2020</a:t>
             </a:fld>
             <a:endParaRPr lang="en-US"/>
           </a:p>
@@ -1157,7 +1158,7 @@
           <p:cNvPr id="5" name="Footer Placeholder 4">
             <a:extLst>
               <a:ext uri="{FF2B5EF4-FFF2-40B4-BE49-F238E27FC236}">
-                <a16:creationId xmlns="" xmlns:a16="http://schemas.microsoft.com/office/drawing/2014/main" id="{3B5E7CB8-4F82-EE48-A501-3202B9A49844}"/>
+                <a16:creationId xmlns:a16="http://schemas.microsoft.com/office/drawing/2014/main" xmlns="" id="{3B5E7CB8-4F82-EE48-A501-3202B9A49844}"/>
               </a:ext>
             </a:extLst>
           </p:cNvPr>
@@ -1182,7 +1183,7 @@
           <p:cNvPr id="6" name="Slide Number Placeholder 5">
             <a:extLst>
               <a:ext uri="{FF2B5EF4-FFF2-40B4-BE49-F238E27FC236}">
-                <a16:creationId xmlns="" xmlns:a16="http://schemas.microsoft.com/office/drawing/2014/main" id="{93DA6DD5-5E21-8A4D-8225-44BC26CACC24}"/>
+                <a16:creationId xmlns:a16="http://schemas.microsoft.com/office/drawing/2014/main" xmlns="" id="{93DA6DD5-5E21-8A4D-8225-44BC26CACC24}"/>
               </a:ext>
             </a:extLst>
           </p:cNvPr>
@@ -1241,7 +1242,7 @@
           <p:cNvPr id="2" name="Title 1">
             <a:extLst>
               <a:ext uri="{FF2B5EF4-FFF2-40B4-BE49-F238E27FC236}">
-                <a16:creationId xmlns="" xmlns:a16="http://schemas.microsoft.com/office/drawing/2014/main" id="{FE86356C-B4B4-A445-B67F-B441513D4178}"/>
+                <a16:creationId xmlns:a16="http://schemas.microsoft.com/office/drawing/2014/main" xmlns="" id="{FE86356C-B4B4-A445-B67F-B441513D4178}"/>
               </a:ext>
             </a:extLst>
           </p:cNvPr>
@@ -1269,7 +1270,7 @@
           <p:cNvPr id="3" name="Content Placeholder 2">
             <a:extLst>
               <a:ext uri="{FF2B5EF4-FFF2-40B4-BE49-F238E27FC236}">
-                <a16:creationId xmlns="" xmlns:a16="http://schemas.microsoft.com/office/drawing/2014/main" id="{F748FDB8-B134-354B-8899-112DE68C1E13}"/>
+                <a16:creationId xmlns:a16="http://schemas.microsoft.com/office/drawing/2014/main" xmlns="" id="{F748FDB8-B134-354B-8899-112DE68C1E13}"/>
               </a:ext>
             </a:extLst>
           </p:cNvPr>
@@ -1331,7 +1332,7 @@
           <p:cNvPr id="4" name="Content Placeholder 3">
             <a:extLst>
               <a:ext uri="{FF2B5EF4-FFF2-40B4-BE49-F238E27FC236}">
-                <a16:creationId xmlns="" xmlns:a16="http://schemas.microsoft.com/office/drawing/2014/main" id="{8FD4DBC1-43CA-8545-BE20-92023EB67CD1}"/>
+                <a16:creationId xmlns:a16="http://schemas.microsoft.com/office/drawing/2014/main" xmlns="" id="{8FD4DBC1-43CA-8545-BE20-92023EB67CD1}"/>
               </a:ext>
             </a:extLst>
           </p:cNvPr>
@@ -1393,7 +1394,7 @@
           <p:cNvPr id="5" name="Date Placeholder 4">
             <a:extLst>
               <a:ext uri="{FF2B5EF4-FFF2-40B4-BE49-F238E27FC236}">
-                <a16:creationId xmlns="" xmlns:a16="http://schemas.microsoft.com/office/drawing/2014/main" id="{783E85CC-86A9-FC40-A3B0-5E3F1DF90096}"/>
+                <a16:creationId xmlns:a16="http://schemas.microsoft.com/office/drawing/2014/main" xmlns="" id="{783E85CC-86A9-FC40-A3B0-5E3F1DF90096}"/>
               </a:ext>
             </a:extLst>
           </p:cNvPr>
@@ -1411,7 +1412,7 @@
           <a:p>
             <a:fld id="{B1358315-875D-C14B-AA42-F119B319A6F4}" type="datetimeFigureOut">
               <a:rPr lang="en-US" smtClean="0"/>
-              <a:t>2/25/2020</a:t>
+              <a:t>2/26/2020</a:t>
             </a:fld>
             <a:endParaRPr lang="en-US"/>
           </a:p>
@@ -1422,7 +1423,7 @@
           <p:cNvPr id="6" name="Footer Placeholder 5">
             <a:extLst>
               <a:ext uri="{FF2B5EF4-FFF2-40B4-BE49-F238E27FC236}">
-                <a16:creationId xmlns="" xmlns:a16="http://schemas.microsoft.com/office/drawing/2014/main" id="{17A48C46-319D-F348-9FF5-A2FDEC6776B4}"/>
+                <a16:creationId xmlns:a16="http://schemas.microsoft.com/office/drawing/2014/main" xmlns="" id="{17A48C46-319D-F348-9FF5-A2FDEC6776B4}"/>
               </a:ext>
             </a:extLst>
           </p:cNvPr>
@@ -1447,7 +1448,7 @@
           <p:cNvPr id="7" name="Slide Number Placeholder 6">
             <a:extLst>
               <a:ext uri="{FF2B5EF4-FFF2-40B4-BE49-F238E27FC236}">
-                <a16:creationId xmlns="" xmlns:a16="http://schemas.microsoft.com/office/drawing/2014/main" id="{8C8FBF63-FE76-294F-8C40-1BA53D6C3BAE}"/>
+                <a16:creationId xmlns:a16="http://schemas.microsoft.com/office/drawing/2014/main" xmlns="" id="{8C8FBF63-FE76-294F-8C40-1BA53D6C3BAE}"/>
               </a:ext>
             </a:extLst>
           </p:cNvPr>
@@ -1506,7 +1507,7 @@
           <p:cNvPr id="2" name="Title 1">
             <a:extLst>
               <a:ext uri="{FF2B5EF4-FFF2-40B4-BE49-F238E27FC236}">
-                <a16:creationId xmlns="" xmlns:a16="http://schemas.microsoft.com/office/drawing/2014/main" id="{929B5B03-DF2A-584E-85B8-6B7738A6542E}"/>
+                <a16:creationId xmlns:a16="http://schemas.microsoft.com/office/drawing/2014/main" xmlns="" id="{929B5B03-DF2A-584E-85B8-6B7738A6542E}"/>
               </a:ext>
             </a:extLst>
           </p:cNvPr>
@@ -1539,7 +1540,7 @@
           <p:cNvPr id="3" name="Text Placeholder 2">
             <a:extLst>
               <a:ext uri="{FF2B5EF4-FFF2-40B4-BE49-F238E27FC236}">
-                <a16:creationId xmlns="" xmlns:a16="http://schemas.microsoft.com/office/drawing/2014/main" id="{B258A496-A57A-1547-A7C2-146A0B0970EA}"/>
+                <a16:creationId xmlns:a16="http://schemas.microsoft.com/office/drawing/2014/main" xmlns="" id="{B258A496-A57A-1547-A7C2-146A0B0970EA}"/>
               </a:ext>
             </a:extLst>
           </p:cNvPr>
@@ -1610,7 +1611,7 @@
           <p:cNvPr id="4" name="Content Placeholder 3">
             <a:extLst>
               <a:ext uri="{FF2B5EF4-FFF2-40B4-BE49-F238E27FC236}">
-                <a16:creationId xmlns="" xmlns:a16="http://schemas.microsoft.com/office/drawing/2014/main" id="{D3019813-238C-E742-80E1-EFBD04E3EBA3}"/>
+                <a16:creationId xmlns:a16="http://schemas.microsoft.com/office/drawing/2014/main" xmlns="" id="{D3019813-238C-E742-80E1-EFBD04E3EBA3}"/>
               </a:ext>
             </a:extLst>
           </p:cNvPr>
@@ -1672,7 +1673,7 @@
           <p:cNvPr id="5" name="Text Placeholder 4">
             <a:extLst>
               <a:ext uri="{FF2B5EF4-FFF2-40B4-BE49-F238E27FC236}">
-                <a16:creationId xmlns="" xmlns:a16="http://schemas.microsoft.com/office/drawing/2014/main" id="{FDF0F2C5-13D4-E145-97EA-5E6529CEA771}"/>
+                <a16:creationId xmlns:a16="http://schemas.microsoft.com/office/drawing/2014/main" xmlns="" id="{FDF0F2C5-13D4-E145-97EA-5E6529CEA771}"/>
               </a:ext>
             </a:extLst>
           </p:cNvPr>
@@ -1743,7 +1744,7 @@
           <p:cNvPr id="6" name="Content Placeholder 5">
             <a:extLst>
               <a:ext uri="{FF2B5EF4-FFF2-40B4-BE49-F238E27FC236}">
-                <a16:creationId xmlns="" xmlns:a16="http://schemas.microsoft.com/office/drawing/2014/main" id="{EA7DDD7F-FDF7-9449-89DF-9F12D024D18A}"/>
+                <a16:creationId xmlns:a16="http://schemas.microsoft.com/office/drawing/2014/main" xmlns="" id="{EA7DDD7F-FDF7-9449-89DF-9F12D024D18A}"/>
               </a:ext>
             </a:extLst>
           </p:cNvPr>
@@ -1805,7 +1806,7 @@
           <p:cNvPr id="7" name="Date Placeholder 6">
             <a:extLst>
               <a:ext uri="{FF2B5EF4-FFF2-40B4-BE49-F238E27FC236}">
-                <a16:creationId xmlns="" xmlns:a16="http://schemas.microsoft.com/office/drawing/2014/main" id="{D6C73B7B-A1E3-9B4E-ACA8-C238AA42B522}"/>
+                <a16:creationId xmlns:a16="http://schemas.microsoft.com/office/drawing/2014/main" xmlns="" id="{D6C73B7B-A1E3-9B4E-ACA8-C238AA42B522}"/>
               </a:ext>
             </a:extLst>
           </p:cNvPr>
@@ -1823,7 +1824,7 @@
           <a:p>
             <a:fld id="{B1358315-875D-C14B-AA42-F119B319A6F4}" type="datetimeFigureOut">
               <a:rPr lang="en-US" smtClean="0"/>
-              <a:t>2/25/2020</a:t>
+              <a:t>2/26/2020</a:t>
             </a:fld>
             <a:endParaRPr lang="en-US"/>
           </a:p>
@@ -1834,7 +1835,7 @@
           <p:cNvPr id="8" name="Footer Placeholder 7">
             <a:extLst>
               <a:ext uri="{FF2B5EF4-FFF2-40B4-BE49-F238E27FC236}">
-                <a16:creationId xmlns="" xmlns:a16="http://schemas.microsoft.com/office/drawing/2014/main" id="{6C52F377-195A-CA47-A9E9-9E1758DC403B}"/>
+                <a16:creationId xmlns:a16="http://schemas.microsoft.com/office/drawing/2014/main" xmlns="" id="{6C52F377-195A-CA47-A9E9-9E1758DC403B}"/>
               </a:ext>
             </a:extLst>
           </p:cNvPr>
@@ -1859,7 +1860,7 @@
           <p:cNvPr id="9" name="Slide Number Placeholder 8">
             <a:extLst>
               <a:ext uri="{FF2B5EF4-FFF2-40B4-BE49-F238E27FC236}">
-                <a16:creationId xmlns="" xmlns:a16="http://schemas.microsoft.com/office/drawing/2014/main" id="{284E5D55-8520-4844-87D1-E02663F92CC5}"/>
+                <a16:creationId xmlns:a16="http://schemas.microsoft.com/office/drawing/2014/main" xmlns="" id="{284E5D55-8520-4844-87D1-E02663F92CC5}"/>
               </a:ext>
             </a:extLst>
           </p:cNvPr>
@@ -1918,7 +1919,7 @@
           <p:cNvPr id="2" name="Title 1">
             <a:extLst>
               <a:ext uri="{FF2B5EF4-FFF2-40B4-BE49-F238E27FC236}">
-                <a16:creationId xmlns="" xmlns:a16="http://schemas.microsoft.com/office/drawing/2014/main" id="{591DEF3D-C702-CA48-AF0E-6F8BB7772D26}"/>
+                <a16:creationId xmlns:a16="http://schemas.microsoft.com/office/drawing/2014/main" xmlns="" id="{591DEF3D-C702-CA48-AF0E-6F8BB7772D26}"/>
               </a:ext>
             </a:extLst>
           </p:cNvPr>
@@ -1946,7 +1947,7 @@
           <p:cNvPr id="3" name="Date Placeholder 2">
             <a:extLst>
               <a:ext uri="{FF2B5EF4-FFF2-40B4-BE49-F238E27FC236}">
-                <a16:creationId xmlns="" xmlns:a16="http://schemas.microsoft.com/office/drawing/2014/main" id="{E51525BE-20AE-DA45-B203-29B795C90888}"/>
+                <a16:creationId xmlns:a16="http://schemas.microsoft.com/office/drawing/2014/main" xmlns="" id="{E51525BE-20AE-DA45-B203-29B795C90888}"/>
               </a:ext>
             </a:extLst>
           </p:cNvPr>
@@ -1964,7 +1965,7 @@
           <a:p>
             <a:fld id="{B1358315-875D-C14B-AA42-F119B319A6F4}" type="datetimeFigureOut">
               <a:rPr lang="en-US" smtClean="0"/>
-              <a:t>2/25/2020</a:t>
+              <a:t>2/26/2020</a:t>
             </a:fld>
             <a:endParaRPr lang="en-US"/>
           </a:p>
@@ -1975,7 +1976,7 @@
           <p:cNvPr id="4" name="Footer Placeholder 3">
             <a:extLst>
               <a:ext uri="{FF2B5EF4-FFF2-40B4-BE49-F238E27FC236}">
-                <a16:creationId xmlns="" xmlns:a16="http://schemas.microsoft.com/office/drawing/2014/main" id="{7C03BA58-3079-4F46-A626-0652AF5A3AFF}"/>
+                <a16:creationId xmlns:a16="http://schemas.microsoft.com/office/drawing/2014/main" xmlns="" id="{7C03BA58-3079-4F46-A626-0652AF5A3AFF}"/>
               </a:ext>
             </a:extLst>
           </p:cNvPr>
@@ -2000,7 +2001,7 @@
           <p:cNvPr id="5" name="Slide Number Placeholder 4">
             <a:extLst>
               <a:ext uri="{FF2B5EF4-FFF2-40B4-BE49-F238E27FC236}">
-                <a16:creationId xmlns="" xmlns:a16="http://schemas.microsoft.com/office/drawing/2014/main" id="{19CBE195-CAE5-AE41-9A02-F0FEE7047826}"/>
+                <a16:creationId xmlns:a16="http://schemas.microsoft.com/office/drawing/2014/main" xmlns="" id="{19CBE195-CAE5-AE41-9A02-F0FEE7047826}"/>
               </a:ext>
             </a:extLst>
           </p:cNvPr>
@@ -2059,7 +2060,7 @@
           <p:cNvPr id="2" name="Date Placeholder 1">
             <a:extLst>
               <a:ext uri="{FF2B5EF4-FFF2-40B4-BE49-F238E27FC236}">
-                <a16:creationId xmlns="" xmlns:a16="http://schemas.microsoft.com/office/drawing/2014/main" id="{C34FCBDA-D7BD-2C4E-88A1-2AFB5B48FB31}"/>
+                <a16:creationId xmlns:a16="http://schemas.microsoft.com/office/drawing/2014/main" xmlns="" id="{C34FCBDA-D7BD-2C4E-88A1-2AFB5B48FB31}"/>
               </a:ext>
             </a:extLst>
           </p:cNvPr>
@@ -2077,7 +2078,7 @@
           <a:p>
             <a:fld id="{B1358315-875D-C14B-AA42-F119B319A6F4}" type="datetimeFigureOut">
               <a:rPr lang="en-US" smtClean="0"/>
-              <a:t>2/25/2020</a:t>
+              <a:t>2/26/2020</a:t>
             </a:fld>
             <a:endParaRPr lang="en-US"/>
           </a:p>
@@ -2088,7 +2089,7 @@
           <p:cNvPr id="3" name="Footer Placeholder 2">
             <a:extLst>
               <a:ext uri="{FF2B5EF4-FFF2-40B4-BE49-F238E27FC236}">
-                <a16:creationId xmlns="" xmlns:a16="http://schemas.microsoft.com/office/drawing/2014/main" id="{18E57C92-201B-F74C-9CC7-86384947C87F}"/>
+                <a16:creationId xmlns:a16="http://schemas.microsoft.com/office/drawing/2014/main" xmlns="" id="{18E57C92-201B-F74C-9CC7-86384947C87F}"/>
               </a:ext>
             </a:extLst>
           </p:cNvPr>
@@ -2113,7 +2114,7 @@
           <p:cNvPr id="4" name="Slide Number Placeholder 3">
             <a:extLst>
               <a:ext uri="{FF2B5EF4-FFF2-40B4-BE49-F238E27FC236}">
-                <a16:creationId xmlns="" xmlns:a16="http://schemas.microsoft.com/office/drawing/2014/main" id="{6CD423C3-3F28-C246-806B-4AB5E2DE25BE}"/>
+                <a16:creationId xmlns:a16="http://schemas.microsoft.com/office/drawing/2014/main" xmlns="" id="{6CD423C3-3F28-C246-806B-4AB5E2DE25BE}"/>
               </a:ext>
             </a:extLst>
           </p:cNvPr>
@@ -2172,7 +2173,7 @@
           <p:cNvPr id="2" name="Title 1">
             <a:extLst>
               <a:ext uri="{FF2B5EF4-FFF2-40B4-BE49-F238E27FC236}">
-                <a16:creationId xmlns="" xmlns:a16="http://schemas.microsoft.com/office/drawing/2014/main" id="{7D5AA6BE-A0FE-9342-BF77-AE09E862FE5E}"/>
+                <a16:creationId xmlns:a16="http://schemas.microsoft.com/office/drawing/2014/main" xmlns="" id="{7D5AA6BE-A0FE-9342-BF77-AE09E862FE5E}"/>
               </a:ext>
             </a:extLst>
           </p:cNvPr>
@@ -2209,7 +2210,7 @@
           <p:cNvPr id="3" name="Content Placeholder 2">
             <a:extLst>
               <a:ext uri="{FF2B5EF4-FFF2-40B4-BE49-F238E27FC236}">
-                <a16:creationId xmlns="" xmlns:a16="http://schemas.microsoft.com/office/drawing/2014/main" id="{792AC1F3-04B5-704E-BBCB-70A2D8615777}"/>
+                <a16:creationId xmlns:a16="http://schemas.microsoft.com/office/drawing/2014/main" xmlns="" id="{792AC1F3-04B5-704E-BBCB-70A2D8615777}"/>
               </a:ext>
             </a:extLst>
           </p:cNvPr>
@@ -2299,7 +2300,7 @@
           <p:cNvPr id="4" name="Text Placeholder 3">
             <a:extLst>
               <a:ext uri="{FF2B5EF4-FFF2-40B4-BE49-F238E27FC236}">
-                <a16:creationId xmlns="" xmlns:a16="http://schemas.microsoft.com/office/drawing/2014/main" id="{7219EEB2-A8F5-8642-AEE3-51CF40050372}"/>
+                <a16:creationId xmlns:a16="http://schemas.microsoft.com/office/drawing/2014/main" xmlns="" id="{7219EEB2-A8F5-8642-AEE3-51CF40050372}"/>
               </a:ext>
             </a:extLst>
           </p:cNvPr>
@@ -2370,7 +2371,7 @@
           <p:cNvPr id="5" name="Date Placeholder 4">
             <a:extLst>
               <a:ext uri="{FF2B5EF4-FFF2-40B4-BE49-F238E27FC236}">
-                <a16:creationId xmlns="" xmlns:a16="http://schemas.microsoft.com/office/drawing/2014/main" id="{B90CABEF-1DFA-2D4F-B71E-8F28391C3915}"/>
+                <a16:creationId xmlns:a16="http://schemas.microsoft.com/office/drawing/2014/main" xmlns="" id="{B90CABEF-1DFA-2D4F-B71E-8F28391C3915}"/>
               </a:ext>
             </a:extLst>
           </p:cNvPr>
@@ -2388,7 +2389,7 @@
           <a:p>
             <a:fld id="{B1358315-875D-C14B-AA42-F119B319A6F4}" type="datetimeFigureOut">
               <a:rPr lang="en-US" smtClean="0"/>
-              <a:t>2/25/2020</a:t>
+              <a:t>2/26/2020</a:t>
             </a:fld>
             <a:endParaRPr lang="en-US"/>
           </a:p>
@@ -2399,7 +2400,7 @@
           <p:cNvPr id="6" name="Footer Placeholder 5">
             <a:extLst>
               <a:ext uri="{FF2B5EF4-FFF2-40B4-BE49-F238E27FC236}">
-                <a16:creationId xmlns="" xmlns:a16="http://schemas.microsoft.com/office/drawing/2014/main" id="{6112FC5D-4475-2949-927E-E672BFA45CD9}"/>
+                <a16:creationId xmlns:a16="http://schemas.microsoft.com/office/drawing/2014/main" xmlns="" id="{6112FC5D-4475-2949-927E-E672BFA45CD9}"/>
               </a:ext>
             </a:extLst>
           </p:cNvPr>
@@ -2424,7 +2425,7 @@
           <p:cNvPr id="7" name="Slide Number Placeholder 6">
             <a:extLst>
               <a:ext uri="{FF2B5EF4-FFF2-40B4-BE49-F238E27FC236}">
-                <a16:creationId xmlns="" xmlns:a16="http://schemas.microsoft.com/office/drawing/2014/main" id="{1D5806EA-5287-9B43-83AD-AAC49F1C4038}"/>
+                <a16:creationId xmlns:a16="http://schemas.microsoft.com/office/drawing/2014/main" xmlns="" id="{1D5806EA-5287-9B43-83AD-AAC49F1C4038}"/>
               </a:ext>
             </a:extLst>
           </p:cNvPr>
@@ -2483,7 +2484,7 @@
           <p:cNvPr id="2" name="Title 1">
             <a:extLst>
               <a:ext uri="{FF2B5EF4-FFF2-40B4-BE49-F238E27FC236}">
-                <a16:creationId xmlns="" xmlns:a16="http://schemas.microsoft.com/office/drawing/2014/main" id="{C10EBA9C-BFC9-8242-B3B1-4F99CBFD9984}"/>
+                <a16:creationId xmlns:a16="http://schemas.microsoft.com/office/drawing/2014/main" xmlns="" id="{C10EBA9C-BFC9-8242-B3B1-4F99CBFD9984}"/>
               </a:ext>
             </a:extLst>
           </p:cNvPr>
@@ -2520,7 +2521,7 @@
           <p:cNvPr id="3" name="Picture Placeholder 2">
             <a:extLst>
               <a:ext uri="{FF2B5EF4-FFF2-40B4-BE49-F238E27FC236}">
-                <a16:creationId xmlns="" xmlns:a16="http://schemas.microsoft.com/office/drawing/2014/main" id="{E9DC4A93-CDA4-144F-983C-9A7B25D6C6D2}"/>
+                <a16:creationId xmlns:a16="http://schemas.microsoft.com/office/drawing/2014/main" xmlns="" id="{E9DC4A93-CDA4-144F-983C-9A7B25D6C6D2}"/>
               </a:ext>
             </a:extLst>
           </p:cNvPr>
@@ -2587,7 +2588,7 @@
           <p:cNvPr id="4" name="Text Placeholder 3">
             <a:extLst>
               <a:ext uri="{FF2B5EF4-FFF2-40B4-BE49-F238E27FC236}">
-                <a16:creationId xmlns="" xmlns:a16="http://schemas.microsoft.com/office/drawing/2014/main" id="{8C2F38D3-A0FE-CE45-A6F6-5164B333DC4F}"/>
+                <a16:creationId xmlns:a16="http://schemas.microsoft.com/office/drawing/2014/main" xmlns="" id="{8C2F38D3-A0FE-CE45-A6F6-5164B333DC4F}"/>
               </a:ext>
             </a:extLst>
           </p:cNvPr>
@@ -2658,7 +2659,7 @@
           <p:cNvPr id="5" name="Date Placeholder 4">
             <a:extLst>
               <a:ext uri="{FF2B5EF4-FFF2-40B4-BE49-F238E27FC236}">
-                <a16:creationId xmlns="" xmlns:a16="http://schemas.microsoft.com/office/drawing/2014/main" id="{795634D3-1A71-F546-92DD-9657E5294366}"/>
+                <a16:creationId xmlns:a16="http://schemas.microsoft.com/office/drawing/2014/main" xmlns="" id="{795634D3-1A71-F546-92DD-9657E5294366}"/>
               </a:ext>
             </a:extLst>
           </p:cNvPr>
@@ -2676,7 +2677,7 @@
           <a:p>
             <a:fld id="{B1358315-875D-C14B-AA42-F119B319A6F4}" type="datetimeFigureOut">
               <a:rPr lang="en-US" smtClean="0"/>
-              <a:t>2/25/2020</a:t>
+              <a:t>2/26/2020</a:t>
             </a:fld>
             <a:endParaRPr lang="en-US"/>
           </a:p>
@@ -2687,7 +2688,7 @@
           <p:cNvPr id="6" name="Footer Placeholder 5">
             <a:extLst>
               <a:ext uri="{FF2B5EF4-FFF2-40B4-BE49-F238E27FC236}">
-                <a16:creationId xmlns="" xmlns:a16="http://schemas.microsoft.com/office/drawing/2014/main" id="{996702C2-E5D2-9044-BF25-10167E871950}"/>
+                <a16:creationId xmlns:a16="http://schemas.microsoft.com/office/drawing/2014/main" xmlns="" id="{996702C2-E5D2-9044-BF25-10167E871950}"/>
               </a:ext>
             </a:extLst>
           </p:cNvPr>
@@ -2712,7 +2713,7 @@
           <p:cNvPr id="7" name="Slide Number Placeholder 6">
             <a:extLst>
               <a:ext uri="{FF2B5EF4-FFF2-40B4-BE49-F238E27FC236}">
-                <a16:creationId xmlns="" xmlns:a16="http://schemas.microsoft.com/office/drawing/2014/main" id="{2E35ED01-1922-164A-A231-3C46E7E63C89}"/>
+                <a16:creationId xmlns:a16="http://schemas.microsoft.com/office/drawing/2014/main" xmlns="" id="{2E35ED01-1922-164A-A231-3C46E7E63C89}"/>
               </a:ext>
             </a:extLst>
           </p:cNvPr>
@@ -2776,7 +2777,7 @@
           <p:cNvPr id="2" name="Title Placeholder 1">
             <a:extLst>
               <a:ext uri="{FF2B5EF4-FFF2-40B4-BE49-F238E27FC236}">
-                <a16:creationId xmlns="" xmlns:a16="http://schemas.microsoft.com/office/drawing/2014/main" id="{A683D89E-E8CA-F745-9F6B-08644C36C0D0}"/>
+                <a16:creationId xmlns:a16="http://schemas.microsoft.com/office/drawing/2014/main" xmlns="" id="{A683D89E-E8CA-F745-9F6B-08644C36C0D0}"/>
               </a:ext>
             </a:extLst>
           </p:cNvPr>
@@ -2814,7 +2815,7 @@
           <p:cNvPr id="3" name="Text Placeholder 2">
             <a:extLst>
               <a:ext uri="{FF2B5EF4-FFF2-40B4-BE49-F238E27FC236}">
-                <a16:creationId xmlns="" xmlns:a16="http://schemas.microsoft.com/office/drawing/2014/main" id="{D138AA9B-E68F-BE49-9A4B-987E7A2D507B}"/>
+                <a16:creationId xmlns:a16="http://schemas.microsoft.com/office/drawing/2014/main" xmlns="" id="{D138AA9B-E68F-BE49-9A4B-987E7A2D507B}"/>
               </a:ext>
             </a:extLst>
           </p:cNvPr>
@@ -2881,7 +2882,7 @@
           <p:cNvPr id="4" name="Date Placeholder 3">
             <a:extLst>
               <a:ext uri="{FF2B5EF4-FFF2-40B4-BE49-F238E27FC236}">
-                <a16:creationId xmlns="" xmlns:a16="http://schemas.microsoft.com/office/drawing/2014/main" id="{92668FFF-EA98-4F41-8C82-5AA85A0F7CEC}"/>
+                <a16:creationId xmlns:a16="http://schemas.microsoft.com/office/drawing/2014/main" xmlns="" id="{92668FFF-EA98-4F41-8C82-5AA85A0F7CEC}"/>
               </a:ext>
             </a:extLst>
           </p:cNvPr>
@@ -2917,7 +2918,7 @@
           <a:p>
             <a:fld id="{B1358315-875D-C14B-AA42-F119B319A6F4}" type="datetimeFigureOut">
               <a:rPr lang="en-US" smtClean="0"/>
-              <a:t>2/25/2020</a:t>
+              <a:t>2/26/2020</a:t>
             </a:fld>
             <a:endParaRPr lang="en-US"/>
           </a:p>
@@ -2928,7 +2929,7 @@
           <p:cNvPr id="5" name="Footer Placeholder 4">
             <a:extLst>
               <a:ext uri="{FF2B5EF4-FFF2-40B4-BE49-F238E27FC236}">
-                <a16:creationId xmlns="" xmlns:a16="http://schemas.microsoft.com/office/drawing/2014/main" id="{53A7B868-7983-8046-B9CC-84BA3F77A585}"/>
+                <a16:creationId xmlns:a16="http://schemas.microsoft.com/office/drawing/2014/main" xmlns="" id="{53A7B868-7983-8046-B9CC-84BA3F77A585}"/>
               </a:ext>
             </a:extLst>
           </p:cNvPr>
@@ -2971,7 +2972,7 @@
           <p:cNvPr id="6" name="Slide Number Placeholder 5">
             <a:extLst>
               <a:ext uri="{FF2B5EF4-FFF2-40B4-BE49-F238E27FC236}">
-                <a16:creationId xmlns="" xmlns:a16="http://schemas.microsoft.com/office/drawing/2014/main" id="{B99F5B29-0C4F-1C46-9321-A158809E0BFF}"/>
+                <a16:creationId xmlns:a16="http://schemas.microsoft.com/office/drawing/2014/main" xmlns="" id="{B99F5B29-0C4F-1C46-9321-A158809E0BFF}"/>
               </a:ext>
             </a:extLst>
           </p:cNvPr>
@@ -3339,7 +3340,7 @@
           <p:cNvPr id="2" name="Title 1">
             <a:extLst>
               <a:ext uri="{FF2B5EF4-FFF2-40B4-BE49-F238E27FC236}">
-                <a16:creationId xmlns="" xmlns:a16="http://schemas.microsoft.com/office/drawing/2014/main" id="{87B7F9A8-63A2-A943-847B-4DF16CB860B6}"/>
+                <a16:creationId xmlns:a16="http://schemas.microsoft.com/office/drawing/2014/main" xmlns="" id="{87B7F9A8-63A2-A943-847B-4DF16CB860B6}"/>
               </a:ext>
             </a:extLst>
           </p:cNvPr>
@@ -3368,7 +3369,7 @@
           <p:cNvPr id="3" name="Subtitle 2">
             <a:extLst>
               <a:ext uri="{FF2B5EF4-FFF2-40B4-BE49-F238E27FC236}">
-                <a16:creationId xmlns="" xmlns:a16="http://schemas.microsoft.com/office/drawing/2014/main" id="{BD723198-6A7E-1A4C-9453-0B93C8D9F0EF}"/>
+                <a16:creationId xmlns:a16="http://schemas.microsoft.com/office/drawing/2014/main" xmlns="" id="{BD723198-6A7E-1A4C-9453-0B93C8D9F0EF}"/>
               </a:ext>
             </a:extLst>
           </p:cNvPr>
@@ -3392,6 +3393,101 @@
     <p:extLst>
       <p:ext uri="{BB962C8B-B14F-4D97-AF65-F5344CB8AC3E}">
         <p14:creationId xmlns:p14="http://schemas.microsoft.com/office/powerpoint/2010/main" val="3587544328"/>
+      </p:ext>
+    </p:extLst>
+  </p:cSld>
+  <p:clrMapOvr>
+    <a:masterClrMapping/>
+  </p:clrMapOvr>
+</p:sld>
+</file>
+
+<file path=ppt/slides/slide10.xml><?xml version="1.0" encoding="utf-8"?>
+<p:sld xmlns:a="http://schemas.openxmlformats.org/drawingml/2006/main" xmlns:r="http://schemas.openxmlformats.org/officeDocument/2006/relationships" xmlns:p="http://schemas.openxmlformats.org/presentationml/2006/main">
+  <p:cSld>
+    <p:spTree>
+      <p:nvGrpSpPr>
+        <p:cNvPr id="1" name=""/>
+        <p:cNvGrpSpPr/>
+        <p:nvPr/>
+      </p:nvGrpSpPr>
+      <p:grpSpPr>
+        <a:xfrm>
+          <a:off x="0" y="0"/>
+          <a:ext cx="0" cy="0"/>
+          <a:chOff x="0" y="0"/>
+          <a:chExt cx="0" cy="0"/>
+        </a:xfrm>
+      </p:grpSpPr>
+      <p:sp>
+        <p:nvSpPr>
+          <p:cNvPr id="2" name="Title 1">
+            <a:extLst>
+              <a:ext uri="{FF2B5EF4-FFF2-40B4-BE49-F238E27FC236}">
+                <a16:creationId xmlns:a16="http://schemas.microsoft.com/office/drawing/2014/main" xmlns="" id="{7D641731-F534-2649-83FB-6F010DF1AD7C}"/>
+              </a:ext>
+            </a:extLst>
+          </p:cNvPr>
+          <p:cNvSpPr>
+            <a:spLocks noGrp="1"/>
+          </p:cNvSpPr>
+          <p:nvPr>
+            <p:ph type="title"/>
+          </p:nvPr>
+        </p:nvSpPr>
+        <p:spPr/>
+        <p:txBody>
+          <a:bodyPr/>
+          <a:lstStyle/>
+          <a:p>
+            <a:r>
+              <a:rPr lang="en-US" dirty="0"/>
+              <a:t>Qualitative effects </a:t>
+            </a:r>
+            <a:r>
+              <a:rPr lang="en-US" dirty="0" smtClean="0"/>
+              <a:t>(8 </a:t>
+            </a:r>
+            <a:r>
+              <a:rPr lang="en-US" dirty="0"/>
+              <a:t>focal regions – </a:t>
+            </a:r>
+            <a:r>
+              <a:rPr lang="en-US" dirty="0" smtClean="0"/>
+              <a:t>low)</a:t>
+            </a:r>
+            <a:endParaRPr lang="en-US" dirty="0"/>
+          </a:p>
+        </p:txBody>
+      </p:sp>
+      <p:pic>
+        <p:nvPicPr>
+          <p:cNvPr id="5" name="Imagen 4"/>
+          <p:cNvPicPr>
+            <a:picLocks noChangeAspect="1"/>
+          </p:cNvPicPr>
+          <p:nvPr/>
+        </p:nvPicPr>
+        <p:blipFill>
+          <a:blip r:embed="rId2"/>
+          <a:stretch>
+            <a:fillRect/>
+          </a:stretch>
+        </p:blipFill>
+        <p:spPr>
+          <a:xfrm>
+            <a:off x="1091238" y="1505619"/>
+            <a:ext cx="10009524" cy="5352381"/>
+          </a:xfrm>
+          <a:prstGeom prst="rect">
+            <a:avLst/>
+          </a:prstGeom>
+        </p:spPr>
+      </p:pic>
+    </p:spTree>
+    <p:extLst>
+      <p:ext uri="{BB962C8B-B14F-4D97-AF65-F5344CB8AC3E}">
+        <p14:creationId xmlns:p14="http://schemas.microsoft.com/office/powerpoint/2010/main" val="608052728"/>
       </p:ext>
     </p:extLst>
   </p:cSld>
@@ -3423,7 +3519,7 @@
           <p:cNvPr id="2" name="Title 1">
             <a:extLst>
               <a:ext uri="{FF2B5EF4-FFF2-40B4-BE49-F238E27FC236}">
-                <a16:creationId xmlns="" xmlns:a16="http://schemas.microsoft.com/office/drawing/2014/main" id="{4DA57ACC-E929-4E4F-B5F4-004C092C4E18}"/>
+                <a16:creationId xmlns:a16="http://schemas.microsoft.com/office/drawing/2014/main" xmlns="" id="{4DA57ACC-E929-4E4F-B5F4-004C092C4E18}"/>
               </a:ext>
             </a:extLst>
           </p:cNvPr>
@@ -3452,7 +3548,7 @@
           <p:cNvPr id="3" name="Content Placeholder 2">
             <a:extLst>
               <a:ext uri="{FF2B5EF4-FFF2-40B4-BE49-F238E27FC236}">
-                <a16:creationId xmlns="" xmlns:a16="http://schemas.microsoft.com/office/drawing/2014/main" id="{FA65E03C-49F9-DE4E-91A0-84A8B6E28ADC}"/>
+                <a16:creationId xmlns:a16="http://schemas.microsoft.com/office/drawing/2014/main" xmlns="" id="{FA65E03C-49F9-DE4E-91A0-84A8B6E28ADC}"/>
               </a:ext>
             </a:extLst>
           </p:cNvPr>
@@ -3659,7 +3755,7 @@
           <p:cNvPr id="7" name="Picture 4">
             <a:extLst>
               <a:ext uri="{FF2B5EF4-FFF2-40B4-BE49-F238E27FC236}">
-                <a16:creationId xmlns="" xmlns:a16="http://schemas.microsoft.com/office/drawing/2014/main" id="{42A5F47C-E3A3-414A-B60D-E7F7D9F019C1}"/>
+                <a16:creationId xmlns:a16="http://schemas.microsoft.com/office/drawing/2014/main" xmlns="" id="{42A5F47C-E3A3-414A-B60D-E7F7D9F019C1}"/>
               </a:ext>
             </a:extLst>
           </p:cNvPr>
@@ -3688,7 +3784,7 @@
           <p:cNvPr id="8" name="Picture 4">
             <a:extLst>
               <a:ext uri="{FF2B5EF4-FFF2-40B4-BE49-F238E27FC236}">
-                <a16:creationId xmlns="" xmlns:a16="http://schemas.microsoft.com/office/drawing/2014/main" id="{42A5F47C-E3A3-414A-B60D-E7F7D9F019C1}"/>
+                <a16:creationId xmlns:a16="http://schemas.microsoft.com/office/drawing/2014/main" xmlns="" id="{42A5F47C-E3A3-414A-B60D-E7F7D9F019C1}"/>
               </a:ext>
             </a:extLst>
           </p:cNvPr>
@@ -3920,6 +4016,199 @@
           <a:chExt cx="0" cy="0"/>
         </a:xfrm>
       </p:grpSpPr>
+      <p:sp>
+        <p:nvSpPr>
+          <p:cNvPr id="2" name="Título 1"/>
+          <p:cNvSpPr>
+            <a:spLocks noGrp="1"/>
+          </p:cNvSpPr>
+          <p:nvPr>
+            <p:ph type="title"/>
+          </p:nvPr>
+        </p:nvSpPr>
+        <p:spPr/>
+        <p:txBody>
+          <a:bodyPr/>
+          <a:lstStyle/>
+          <a:p>
+            <a:r>
+              <a:rPr lang="es-CO" dirty="0" err="1" smtClean="0"/>
+              <a:t>Sample</a:t>
+            </a:r>
+            <a:r>
+              <a:rPr lang="es-CO" dirty="0" smtClean="0"/>
+              <a:t> </a:t>
+            </a:r>
+            <a:r>
+              <a:rPr lang="es-CO" dirty="0" err="1" smtClean="0"/>
+              <a:t>variation</a:t>
+            </a:r>
+            <a:r>
+              <a:rPr lang="es-CO" dirty="0" smtClean="0"/>
+              <a:t> (</a:t>
+            </a:r>
+            <a:r>
+              <a:rPr lang="es-CO" dirty="0" err="1" smtClean="0"/>
+              <a:t>size</a:t>
+            </a:r>
+            <a:r>
+              <a:rPr lang="es-CO" dirty="0" smtClean="0"/>
+              <a:t> =50)</a:t>
+            </a:r>
+            <a:endParaRPr lang="es-CO" dirty="0"/>
+          </a:p>
+        </p:txBody>
+      </p:sp>
+      <p:pic>
+        <p:nvPicPr>
+          <p:cNvPr id="4" name="Imagen 3"/>
+          <p:cNvPicPr>
+            <a:picLocks noChangeAspect="1"/>
+          </p:cNvPicPr>
+          <p:nvPr/>
+        </p:nvPicPr>
+        <p:blipFill>
+          <a:blip r:embed="rId2"/>
+          <a:stretch>
+            <a:fillRect/>
+          </a:stretch>
+        </p:blipFill>
+        <p:spPr>
+          <a:xfrm>
+            <a:off x="2429333" y="2415732"/>
+            <a:ext cx="7333333" cy="3904762"/>
+          </a:xfrm>
+          <a:prstGeom prst="rect">
+            <a:avLst/>
+          </a:prstGeom>
+        </p:spPr>
+      </p:pic>
+      <p:sp>
+        <p:nvSpPr>
+          <p:cNvPr id="5" name="Rectángulo 4"/>
+          <p:cNvSpPr/>
+          <p:nvPr/>
+        </p:nvSpPr>
+        <p:spPr>
+          <a:xfrm>
+            <a:off x="4580238" y="2201548"/>
+            <a:ext cx="3270421" cy="428368"/>
+          </a:xfrm>
+          <a:prstGeom prst="rect">
+            <a:avLst/>
+          </a:prstGeom>
+          <a:solidFill>
+            <a:schemeClr val="bg1"/>
+          </a:solidFill>
+          <a:ln>
+            <a:solidFill>
+              <a:schemeClr val="bg1"/>
+            </a:solidFill>
+          </a:ln>
+        </p:spPr>
+        <p:style>
+          <a:lnRef idx="2">
+            <a:schemeClr val="accent1">
+              <a:shade val="50000"/>
+            </a:schemeClr>
+          </a:lnRef>
+          <a:fillRef idx="1">
+            <a:schemeClr val="accent1"/>
+          </a:fillRef>
+          <a:effectRef idx="0">
+            <a:schemeClr val="accent1"/>
+          </a:effectRef>
+          <a:fontRef idx="minor">
+            <a:schemeClr val="lt1"/>
+          </a:fontRef>
+        </p:style>
+        <p:txBody>
+          <a:bodyPr rtlCol="0" anchor="ctr"/>
+          <a:lstStyle/>
+          <a:p>
+            <a:pPr algn="ctr"/>
+            <a:endParaRPr lang="es-CO"/>
+          </a:p>
+        </p:txBody>
+      </p:sp>
+      <p:sp>
+        <p:nvSpPr>
+          <p:cNvPr id="6" name="Rectángulo 5"/>
+          <p:cNvSpPr/>
+          <p:nvPr/>
+        </p:nvSpPr>
+        <p:spPr>
+          <a:xfrm>
+            <a:off x="3966519" y="5892126"/>
+            <a:ext cx="4419600" cy="428368"/>
+          </a:xfrm>
+          <a:prstGeom prst="rect">
+            <a:avLst/>
+          </a:prstGeom>
+          <a:solidFill>
+            <a:schemeClr val="bg1"/>
+          </a:solidFill>
+          <a:ln>
+            <a:solidFill>
+              <a:schemeClr val="bg1"/>
+            </a:solidFill>
+          </a:ln>
+        </p:spPr>
+        <p:style>
+          <a:lnRef idx="2">
+            <a:schemeClr val="accent1">
+              <a:shade val="50000"/>
+            </a:schemeClr>
+          </a:lnRef>
+          <a:fillRef idx="1">
+            <a:schemeClr val="accent1"/>
+          </a:fillRef>
+          <a:effectRef idx="0">
+            <a:schemeClr val="accent1"/>
+          </a:effectRef>
+          <a:fontRef idx="minor">
+            <a:schemeClr val="lt1"/>
+          </a:fontRef>
+        </p:style>
+        <p:txBody>
+          <a:bodyPr rtlCol="0" anchor="ctr"/>
+          <a:lstStyle/>
+          <a:p>
+            <a:pPr algn="ctr"/>
+            <a:endParaRPr lang="es-CO"/>
+          </a:p>
+        </p:txBody>
+      </p:sp>
+    </p:spTree>
+    <p:extLst>
+      <p:ext uri="{BB962C8B-B14F-4D97-AF65-F5344CB8AC3E}">
+        <p14:creationId xmlns:p14="http://schemas.microsoft.com/office/powerpoint/2010/main" val="3576284362"/>
+      </p:ext>
+    </p:extLst>
+  </p:cSld>
+  <p:clrMapOvr>
+    <a:masterClrMapping/>
+  </p:clrMapOvr>
+</p:sld>
+</file>
+
+<file path=ppt/slides/slide4.xml><?xml version="1.0" encoding="utf-8"?>
+<p:sld xmlns:a="http://schemas.openxmlformats.org/drawingml/2006/main" xmlns:r="http://schemas.openxmlformats.org/officeDocument/2006/relationships" xmlns:p="http://schemas.openxmlformats.org/presentationml/2006/main">
+  <p:cSld>
+    <p:spTree>
+      <p:nvGrpSpPr>
+        <p:cNvPr id="1" name=""/>
+        <p:cNvGrpSpPr/>
+        <p:nvPr/>
+      </p:nvGrpSpPr>
+      <p:grpSpPr>
+        <a:xfrm>
+          <a:off x="0" y="0"/>
+          <a:ext cx="0" cy="0"/>
+          <a:chOff x="0" y="0"/>
+          <a:chExt cx="0" cy="0"/>
+        </a:xfrm>
+      </p:grpSpPr>
       <p:pic>
         <p:nvPicPr>
           <p:cNvPr id="9" name="Imagen 8"/>
@@ -3949,7 +4238,7 @@
           <p:cNvPr id="2" name="Title 1">
             <a:extLst>
               <a:ext uri="{FF2B5EF4-FFF2-40B4-BE49-F238E27FC236}">
-                <a16:creationId xmlns="" xmlns:a16="http://schemas.microsoft.com/office/drawing/2014/main" id="{7D641731-F534-2649-83FB-6F010DF1AD7C}"/>
+                <a16:creationId xmlns:a16="http://schemas.microsoft.com/office/drawing/2014/main" xmlns="" id="{7D641731-F534-2649-83FB-6F010DF1AD7C}"/>
               </a:ext>
             </a:extLst>
           </p:cNvPr>
@@ -3977,7 +4266,7 @@
           <p:cNvPr id="8" name="Frame 7">
             <a:extLst>
               <a:ext uri="{FF2B5EF4-FFF2-40B4-BE49-F238E27FC236}">
-                <a16:creationId xmlns="" xmlns:a16="http://schemas.microsoft.com/office/drawing/2014/main" id="{CB7CF0CF-074A-2540-BE74-0B81F99EC27E}"/>
+                <a16:creationId xmlns:a16="http://schemas.microsoft.com/office/drawing/2014/main" xmlns="" id="{CB7CF0CF-074A-2540-BE74-0B81F99EC27E}"/>
               </a:ext>
             </a:extLst>
           </p:cNvPr>
@@ -4035,7 +4324,7 @@
 </p:sld>
 </file>
 
-<file path=ppt/slides/slide4.xml><?xml version="1.0" encoding="utf-8"?>
+<file path=ppt/slides/slide5.xml><?xml version="1.0" encoding="utf-8"?>
 <p:sld xmlns:a="http://schemas.openxmlformats.org/drawingml/2006/main" xmlns:r="http://schemas.openxmlformats.org/officeDocument/2006/relationships" xmlns:p="http://schemas.openxmlformats.org/presentationml/2006/main">
   <p:cSld>
     <p:spTree>
@@ -4081,7 +4370,7 @@
           <p:cNvPr id="2" name="Title 1">
             <a:extLst>
               <a:ext uri="{FF2B5EF4-FFF2-40B4-BE49-F238E27FC236}">
-                <a16:creationId xmlns="" xmlns:a16="http://schemas.microsoft.com/office/drawing/2014/main" id="{7D641731-F534-2649-83FB-6F010DF1AD7C}"/>
+                <a16:creationId xmlns:a16="http://schemas.microsoft.com/office/drawing/2014/main" xmlns="" id="{7D641731-F534-2649-83FB-6F010DF1AD7C}"/>
               </a:ext>
             </a:extLst>
           </p:cNvPr>
@@ -4109,7 +4398,7 @@
           <p:cNvPr id="6" name="Frame 7">
             <a:extLst>
               <a:ext uri="{FF2B5EF4-FFF2-40B4-BE49-F238E27FC236}">
-                <a16:creationId xmlns="" xmlns:a16="http://schemas.microsoft.com/office/drawing/2014/main" id="{CB7CF0CF-074A-2540-BE74-0B81F99EC27E}"/>
+                <a16:creationId xmlns:a16="http://schemas.microsoft.com/office/drawing/2014/main" xmlns="" id="{CB7CF0CF-074A-2540-BE74-0B81F99EC27E}"/>
               </a:ext>
             </a:extLst>
           </p:cNvPr>
@@ -4158,138 +4447,6 @@
     <p:extLst>
       <p:ext uri="{BB962C8B-B14F-4D97-AF65-F5344CB8AC3E}">
         <p14:creationId xmlns:p14="http://schemas.microsoft.com/office/powerpoint/2010/main" val="2711302745"/>
-      </p:ext>
-    </p:extLst>
-  </p:cSld>
-  <p:clrMapOvr>
-    <a:masterClrMapping/>
-  </p:clrMapOvr>
-</p:sld>
-</file>
-
-<file path=ppt/slides/slide5.xml><?xml version="1.0" encoding="utf-8"?>
-<p:sld xmlns:a="http://schemas.openxmlformats.org/drawingml/2006/main" xmlns:r="http://schemas.openxmlformats.org/officeDocument/2006/relationships" xmlns:p="http://schemas.openxmlformats.org/presentationml/2006/main">
-  <p:cSld>
-    <p:spTree>
-      <p:nvGrpSpPr>
-        <p:cNvPr id="1" name=""/>
-        <p:cNvGrpSpPr/>
-        <p:nvPr/>
-      </p:nvGrpSpPr>
-      <p:grpSpPr>
-        <a:xfrm>
-          <a:off x="0" y="0"/>
-          <a:ext cx="0" cy="0"/>
-          <a:chOff x="0" y="0"/>
-          <a:chExt cx="0" cy="0"/>
-        </a:xfrm>
-      </p:grpSpPr>
-      <p:sp>
-        <p:nvSpPr>
-          <p:cNvPr id="2" name="Title 1">
-            <a:extLst>
-              <a:ext uri="{FF2B5EF4-FFF2-40B4-BE49-F238E27FC236}">
-                <a16:creationId xmlns="" xmlns:a16="http://schemas.microsoft.com/office/drawing/2014/main" id="{7D641731-F534-2649-83FB-6F010DF1AD7C}"/>
-              </a:ext>
-            </a:extLst>
-          </p:cNvPr>
-          <p:cNvSpPr>
-            <a:spLocks noGrp="1"/>
-          </p:cNvSpPr>
-          <p:nvPr>
-            <p:ph type="title"/>
-          </p:nvPr>
-        </p:nvSpPr>
-        <p:spPr/>
-        <p:txBody>
-          <a:bodyPr/>
-          <a:lstStyle/>
-          <a:p>
-            <a:r>
-              <a:rPr lang="en-US" dirty="0"/>
-              <a:t>Qualitative effects (2 focal regions – low)</a:t>
-            </a:r>
-          </a:p>
-        </p:txBody>
-      </p:sp>
-      <p:pic>
-        <p:nvPicPr>
-          <p:cNvPr id="3" name="Imagen 2"/>
-          <p:cNvPicPr>
-            <a:picLocks noChangeAspect="1"/>
-          </p:cNvPicPr>
-          <p:nvPr/>
-        </p:nvPicPr>
-        <p:blipFill>
-          <a:blip r:embed="rId2"/>
-          <a:stretch>
-            <a:fillRect/>
-          </a:stretch>
-        </p:blipFill>
-        <p:spPr>
-          <a:xfrm>
-            <a:off x="1505524" y="1690688"/>
-            <a:ext cx="9180952" cy="5019048"/>
-          </a:xfrm>
-          <a:prstGeom prst="rect">
-            <a:avLst/>
-          </a:prstGeom>
-        </p:spPr>
-      </p:pic>
-      <p:sp>
-        <p:nvSpPr>
-          <p:cNvPr id="6" name="Frame 7">
-            <a:extLst>
-              <a:ext uri="{FF2B5EF4-FFF2-40B4-BE49-F238E27FC236}">
-                <a16:creationId xmlns="" xmlns:a16="http://schemas.microsoft.com/office/drawing/2014/main" id="{CB7CF0CF-074A-2540-BE74-0B81F99EC27E}"/>
-              </a:ext>
-            </a:extLst>
-          </p:cNvPr>
-          <p:cNvSpPr/>
-          <p:nvPr/>
-        </p:nvSpPr>
-        <p:spPr>
-          <a:xfrm>
-            <a:off x="5684108" y="6436426"/>
-            <a:ext cx="396057" cy="318601"/>
-          </a:xfrm>
-          <a:prstGeom prst="frame">
-            <a:avLst/>
-          </a:prstGeom>
-        </p:spPr>
-        <p:style>
-          <a:lnRef idx="2">
-            <a:schemeClr val="accent1">
-              <a:shade val="50000"/>
-            </a:schemeClr>
-          </a:lnRef>
-          <a:fillRef idx="1">
-            <a:schemeClr val="accent1"/>
-          </a:fillRef>
-          <a:effectRef idx="0">
-            <a:schemeClr val="accent1"/>
-          </a:effectRef>
-          <a:fontRef idx="minor">
-            <a:schemeClr val="lt1"/>
-          </a:fontRef>
-        </p:style>
-        <p:txBody>
-          <a:bodyPr rtlCol="0" anchor="ctr"/>
-          <a:lstStyle/>
-          <a:p>
-            <a:pPr algn="ctr"/>
-            <a:endParaRPr lang="en-US">
-              <a:solidFill>
-                <a:schemeClr val="tx1"/>
-              </a:solidFill>
-            </a:endParaRPr>
-          </a:p>
-        </p:txBody>
-      </p:sp>
-    </p:spTree>
-    <p:extLst>
-      <p:ext uri="{BB962C8B-B14F-4D97-AF65-F5344CB8AC3E}">
-        <p14:creationId xmlns:p14="http://schemas.microsoft.com/office/powerpoint/2010/main" val="943131144"/>
       </p:ext>
     </p:extLst>
   </p:cSld>
@@ -4321,7 +4478,7 @@
           <p:cNvPr id="2" name="Title 1">
             <a:extLst>
               <a:ext uri="{FF2B5EF4-FFF2-40B4-BE49-F238E27FC236}">
-                <a16:creationId xmlns="" xmlns:a16="http://schemas.microsoft.com/office/drawing/2014/main" id="{7D641731-F534-2649-83FB-6F010DF1AD7C}"/>
+                <a16:creationId xmlns:a16="http://schemas.microsoft.com/office/drawing/2014/main" xmlns="" id="{7D641731-F534-2649-83FB-6F010DF1AD7C}"/>
               </a:ext>
             </a:extLst>
           </p:cNvPr>
@@ -4339,14 +4496,14 @@
           <a:p>
             <a:r>
               <a:rPr lang="en-US" dirty="0"/>
-              <a:t>Qualitative effects (2 focal regions – too low)</a:t>
+              <a:t>Qualitative effects (2 focal regions – low)</a:t>
             </a:r>
           </a:p>
         </p:txBody>
       </p:sp>
       <p:pic>
         <p:nvPicPr>
-          <p:cNvPr id="4" name="Imagen 3"/>
+          <p:cNvPr id="3" name="Imagen 2"/>
           <p:cNvPicPr>
             <a:picLocks noChangeAspect="1"/>
           </p:cNvPicPr>
@@ -4373,7 +4530,7 @@
           <p:cNvPr id="6" name="Frame 7">
             <a:extLst>
               <a:ext uri="{FF2B5EF4-FFF2-40B4-BE49-F238E27FC236}">
-                <a16:creationId xmlns="" xmlns:a16="http://schemas.microsoft.com/office/drawing/2014/main" id="{CB7CF0CF-074A-2540-BE74-0B81F99EC27E}"/>
+                <a16:creationId xmlns:a16="http://schemas.microsoft.com/office/drawing/2014/main" xmlns="" id="{CB7CF0CF-074A-2540-BE74-0B81F99EC27E}"/>
               </a:ext>
             </a:extLst>
           </p:cNvPr>
@@ -4421,7 +4578,7 @@
     </p:spTree>
     <p:extLst>
       <p:ext uri="{BB962C8B-B14F-4D97-AF65-F5344CB8AC3E}">
-        <p14:creationId xmlns:p14="http://schemas.microsoft.com/office/powerpoint/2010/main" val="3642458735"/>
+        <p14:creationId xmlns:p14="http://schemas.microsoft.com/office/powerpoint/2010/main" val="943131144"/>
       </p:ext>
     </p:extLst>
   </p:cSld>
@@ -4453,7 +4610,7 @@
           <p:cNvPr id="2" name="Title 1">
             <a:extLst>
               <a:ext uri="{FF2B5EF4-FFF2-40B4-BE49-F238E27FC236}">
-                <a16:creationId xmlns="" xmlns:a16="http://schemas.microsoft.com/office/drawing/2014/main" id="{7D641731-F534-2649-83FB-6F010DF1AD7C}"/>
+                <a16:creationId xmlns:a16="http://schemas.microsoft.com/office/drawing/2014/main" xmlns="" id="{7D641731-F534-2649-83FB-6F010DF1AD7C}"/>
               </a:ext>
             </a:extLst>
           </p:cNvPr>
@@ -4471,22 +4628,14 @@
           <a:p>
             <a:r>
               <a:rPr lang="en-US" dirty="0"/>
-              <a:t>Qualitative effects </a:t>
-            </a:r>
-            <a:r>
-              <a:rPr lang="en-US" dirty="0" smtClean="0"/>
-              <a:t>(8 </a:t>
-            </a:r>
-            <a:r>
-              <a:rPr lang="en-US" dirty="0"/>
-              <a:t>focal regions – high)</a:t>
+              <a:t>Qualitative effects (2 focal regions – too low)</a:t>
             </a:r>
           </a:p>
         </p:txBody>
       </p:sp>
       <p:pic>
         <p:nvPicPr>
-          <p:cNvPr id="3" name="Imagen 2"/>
+          <p:cNvPr id="4" name="Imagen 3"/>
           <p:cNvPicPr>
             <a:picLocks noChangeAspect="1"/>
           </p:cNvPicPr>
@@ -4508,10 +4657,60 @@
           </a:prstGeom>
         </p:spPr>
       </p:pic>
+      <p:sp>
+        <p:nvSpPr>
+          <p:cNvPr id="6" name="Frame 7">
+            <a:extLst>
+              <a:ext uri="{FF2B5EF4-FFF2-40B4-BE49-F238E27FC236}">
+                <a16:creationId xmlns:a16="http://schemas.microsoft.com/office/drawing/2014/main" xmlns="" id="{CB7CF0CF-074A-2540-BE74-0B81F99EC27E}"/>
+              </a:ext>
+            </a:extLst>
+          </p:cNvPr>
+          <p:cNvSpPr/>
+          <p:nvPr/>
+        </p:nvSpPr>
+        <p:spPr>
+          <a:xfrm>
+            <a:off x="5684108" y="6436426"/>
+            <a:ext cx="396057" cy="318601"/>
+          </a:xfrm>
+          <a:prstGeom prst="frame">
+            <a:avLst/>
+          </a:prstGeom>
+        </p:spPr>
+        <p:style>
+          <a:lnRef idx="2">
+            <a:schemeClr val="accent1">
+              <a:shade val="50000"/>
+            </a:schemeClr>
+          </a:lnRef>
+          <a:fillRef idx="1">
+            <a:schemeClr val="accent1"/>
+          </a:fillRef>
+          <a:effectRef idx="0">
+            <a:schemeClr val="accent1"/>
+          </a:effectRef>
+          <a:fontRef idx="minor">
+            <a:schemeClr val="lt1"/>
+          </a:fontRef>
+        </p:style>
+        <p:txBody>
+          <a:bodyPr rtlCol="0" anchor="ctr"/>
+          <a:lstStyle/>
+          <a:p>
+            <a:pPr algn="ctr"/>
+            <a:endParaRPr lang="en-US">
+              <a:solidFill>
+                <a:schemeClr val="tx1"/>
+              </a:solidFill>
+            </a:endParaRPr>
+          </a:p>
+        </p:txBody>
+      </p:sp>
     </p:spTree>
     <p:extLst>
       <p:ext uri="{BB962C8B-B14F-4D97-AF65-F5344CB8AC3E}">
-        <p14:creationId xmlns:p14="http://schemas.microsoft.com/office/powerpoint/2010/main" val="738334701"/>
+        <p14:creationId xmlns:p14="http://schemas.microsoft.com/office/powerpoint/2010/main" val="3642458735"/>
       </p:ext>
     </p:extLst>
   </p:cSld>
@@ -4543,7 +4742,7 @@
           <p:cNvPr id="2" name="Title 1">
             <a:extLst>
               <a:ext uri="{FF2B5EF4-FFF2-40B4-BE49-F238E27FC236}">
-                <a16:creationId xmlns="" xmlns:a16="http://schemas.microsoft.com/office/drawing/2014/main" id="{7D641731-F534-2649-83FB-6F010DF1AD7C}"/>
+                <a16:creationId xmlns:a16="http://schemas.microsoft.com/office/drawing/2014/main" xmlns="" id="{7D641731-F534-2649-83FB-6F010DF1AD7C}"/>
               </a:ext>
             </a:extLst>
           </p:cNvPr>
@@ -4569,19 +4768,14 @@
             </a:r>
             <a:r>
               <a:rPr lang="en-US" dirty="0"/>
-              <a:t>focal regions – </a:t>
-            </a:r>
-            <a:r>
-              <a:rPr lang="en-US" dirty="0" smtClean="0"/>
-              <a:t>medium)</a:t>
-            </a:r>
-            <a:endParaRPr lang="en-US" dirty="0"/>
+              <a:t>focal regions – high)</a:t>
+            </a:r>
           </a:p>
         </p:txBody>
       </p:sp>
       <p:pic>
         <p:nvPicPr>
-          <p:cNvPr id="3" name="Imagen 2"/>
+          <p:cNvPr id="6" name="Imagen 5"/>
           <p:cNvPicPr>
             <a:picLocks noChangeAspect="1"/>
           </p:cNvPicPr>
@@ -4595,8 +4789,8 @@
         </p:blipFill>
         <p:spPr>
           <a:xfrm>
-            <a:off x="1505524" y="1690688"/>
-            <a:ext cx="9180952" cy="5019048"/>
+            <a:off x="1091238" y="1505619"/>
+            <a:ext cx="10009524" cy="5352381"/>
           </a:xfrm>
           <a:prstGeom prst="rect">
             <a:avLst/>
@@ -4606,7 +4800,7 @@
     </p:spTree>
     <p:extLst>
       <p:ext uri="{BB962C8B-B14F-4D97-AF65-F5344CB8AC3E}">
-        <p14:creationId xmlns:p14="http://schemas.microsoft.com/office/powerpoint/2010/main" val="90231614"/>
+        <p14:creationId xmlns:p14="http://schemas.microsoft.com/office/powerpoint/2010/main" val="738334701"/>
       </p:ext>
     </p:extLst>
   </p:cSld>
@@ -4638,7 +4832,7 @@
           <p:cNvPr id="2" name="Title 1">
             <a:extLst>
               <a:ext uri="{FF2B5EF4-FFF2-40B4-BE49-F238E27FC236}">
-                <a16:creationId xmlns="" xmlns:a16="http://schemas.microsoft.com/office/drawing/2014/main" id="{7D641731-F534-2649-83FB-6F010DF1AD7C}"/>
+                <a16:creationId xmlns:a16="http://schemas.microsoft.com/office/drawing/2014/main" xmlns="" id="{7D641731-F534-2649-83FB-6F010DF1AD7C}"/>
               </a:ext>
             </a:extLst>
           </p:cNvPr>
@@ -4668,7 +4862,7 @@
             </a:r>
             <a:r>
               <a:rPr lang="en-US" dirty="0" smtClean="0"/>
-              <a:t>low)</a:t>
+              <a:t>medium)</a:t>
             </a:r>
             <a:endParaRPr lang="en-US" dirty="0"/>
           </a:p>
@@ -4676,7 +4870,7 @@
       </p:sp>
       <p:pic>
         <p:nvPicPr>
-          <p:cNvPr id="3" name="Imagen 2"/>
+          <p:cNvPr id="4" name="Imagen 3"/>
           <p:cNvPicPr>
             <a:picLocks noChangeAspect="1"/>
           </p:cNvPicPr>
@@ -4690,8 +4884,8 @@
         </p:blipFill>
         <p:spPr>
           <a:xfrm>
-            <a:off x="1505524" y="1690688"/>
-            <a:ext cx="9180952" cy="5019048"/>
+            <a:off x="1091238" y="1505619"/>
+            <a:ext cx="10009524" cy="5352381"/>
           </a:xfrm>
           <a:prstGeom prst="rect">
             <a:avLst/>
@@ -4701,7 +4895,7 @@
     </p:spTree>
     <p:extLst>
       <p:ext uri="{BB962C8B-B14F-4D97-AF65-F5344CB8AC3E}">
-        <p14:creationId xmlns:p14="http://schemas.microsoft.com/office/powerpoint/2010/main" val="608052728"/>
+        <p14:creationId xmlns:p14="http://schemas.microsoft.com/office/powerpoint/2010/main" val="90231614"/>
       </p:ext>
     </p:extLst>
   </p:cSld>
